--- a/slides/lab01.pptx
+++ b/slides/lab01.pptx
@@ -234,7 +234,7 @@
           <a:p>
             <a:fld id="{26C21ED3-A5B8-0F43-BEC8-3BB1C1D7A737}" type="datetimeFigureOut">
               <a:rPr lang="en-US" smtClean="0"/>
-              <a:t>2/13/19</a:t>
+              <a:t>9/17/20</a:t>
             </a:fld>
             <a:endParaRPr lang="en-US"/>
           </a:p>
@@ -819,7 +819,7 @@
           <a:p>
             <a:fld id="{ECF56177-CEF1-0141-836F-3867E7E9C1D8}" type="datetime1">
               <a:rPr lang="en-US" smtClean="0"/>
-              <a:t>2/13/19</a:t>
+              <a:t>9/17/20</a:t>
             </a:fld>
             <a:endParaRPr lang="en-US"/>
           </a:p>
@@ -989,7 +989,7 @@
           <a:p>
             <a:fld id="{4CDC8FB9-92E9-4C40-A76A-6D1CDAB665BB}" type="datetime1">
               <a:rPr lang="en-US" smtClean="0"/>
-              <a:t>2/13/19</a:t>
+              <a:t>9/17/20</a:t>
             </a:fld>
             <a:endParaRPr lang="en-US"/>
           </a:p>
@@ -1169,7 +1169,7 @@
           <a:p>
             <a:fld id="{F8F03505-CCE7-CA4C-B4F1-35193B6B5156}" type="datetime1">
               <a:rPr lang="en-US" smtClean="0"/>
-              <a:t>2/13/19</a:t>
+              <a:t>9/17/20</a:t>
             </a:fld>
             <a:endParaRPr lang="en-US"/>
           </a:p>
@@ -1339,7 +1339,7 @@
           <a:p>
             <a:fld id="{A02E57FB-CD21-0942-A714-152EC4568E9D}" type="datetime1">
               <a:rPr lang="en-US" smtClean="0"/>
-              <a:t>2/13/19</a:t>
+              <a:t>9/17/20</a:t>
             </a:fld>
             <a:endParaRPr lang="en-US"/>
           </a:p>
@@ -1583,7 +1583,7 @@
           <a:p>
             <a:fld id="{77AD2927-A654-D74D-A6C0-BF96EF7229C7}" type="datetime1">
               <a:rPr lang="en-US" smtClean="0"/>
-              <a:t>2/13/19</a:t>
+              <a:t>9/17/20</a:t>
             </a:fld>
             <a:endParaRPr lang="en-US"/>
           </a:p>
@@ -1815,7 +1815,7 @@
           <a:p>
             <a:fld id="{37B554B6-7788-2348-9289-7CAD598A9555}" type="datetime1">
               <a:rPr lang="en-US" smtClean="0"/>
-              <a:t>2/13/19</a:t>
+              <a:t>9/17/20</a:t>
             </a:fld>
             <a:endParaRPr lang="en-US"/>
           </a:p>
@@ -2182,7 +2182,7 @@
           <a:p>
             <a:fld id="{CCE331CB-FA13-3243-AD80-8733E43C7C1F}" type="datetime1">
               <a:rPr lang="en-US" smtClean="0"/>
-              <a:t>2/13/19</a:t>
+              <a:t>9/17/20</a:t>
             </a:fld>
             <a:endParaRPr lang="en-US"/>
           </a:p>
@@ -2300,7 +2300,7 @@
           <a:p>
             <a:fld id="{C0172A9A-4F1F-854A-9B1E-96AFCC4A9B03}" type="datetime1">
               <a:rPr lang="en-US" smtClean="0"/>
-              <a:t>2/13/19</a:t>
+              <a:t>9/17/20</a:t>
             </a:fld>
             <a:endParaRPr lang="en-US"/>
           </a:p>
@@ -2395,7 +2395,7 @@
           <a:p>
             <a:fld id="{2D504595-1B90-0F4A-A1D0-6609637EC4CD}" type="datetime1">
               <a:rPr lang="en-US" smtClean="0"/>
-              <a:t>2/13/19</a:t>
+              <a:t>9/17/20</a:t>
             </a:fld>
             <a:endParaRPr lang="en-US"/>
           </a:p>
@@ -2672,7 +2672,7 @@
           <a:p>
             <a:fld id="{F48EB26F-796F-BD4B-9EC5-A039FE9C305B}" type="datetime1">
               <a:rPr lang="en-US" smtClean="0"/>
-              <a:t>2/13/19</a:t>
+              <a:t>9/17/20</a:t>
             </a:fld>
             <a:endParaRPr lang="en-US"/>
           </a:p>
@@ -2929,7 +2929,7 @@
           <a:p>
             <a:fld id="{CDC2C28A-C946-0143-970B-84B8FE5654F4}" type="datetime1">
               <a:rPr lang="en-US" smtClean="0"/>
-              <a:t>2/13/19</a:t>
+              <a:t>9/17/20</a:t>
             </a:fld>
             <a:endParaRPr lang="en-US"/>
           </a:p>
@@ -3140,7 +3140,7 @@
           <a:p>
             <a:fld id="{A831EFE4-169C-9248-BC74-4797ECDAE130}" type="datetime1">
               <a:rPr lang="en-US" smtClean="0"/>
-              <a:t>2/13/19</a:t>
+              <a:t>9/17/20</a:t>
             </a:fld>
             <a:endParaRPr lang="en-US"/>
           </a:p>
@@ -3575,7 +3575,23 @@
           <a:p>
             <a:r>
               <a:rPr lang="en-US" b="0" dirty="0"/>
-              <a:t>Spring 2019 (MW 3:00-4:15pm in Shaffer 301)</a:t>
+              <a:t>Fall 20</a:t>
+            </a:r>
+            <a:r>
+              <a:rPr lang="en-US" altLang="zh-CN" b="0" dirty="0"/>
+              <a:t>20</a:t>
+            </a:r>
+            <a:r>
+              <a:rPr lang="en-US" b="0" dirty="0"/>
+              <a:t> (</a:t>
+            </a:r>
+            <a:r>
+              <a:rPr lang="en-US" b="0" dirty="0" err="1"/>
+              <a:t>TuTh</a:t>
+            </a:r>
+            <a:r>
+              <a:rPr lang="en-US" b="0" dirty="0"/>
+              <a:t> 1:30-2:45pm on Zoom)</a:t>
             </a:r>
           </a:p>
         </p:txBody>
@@ -3876,6 +3892,10 @@
               <a:rPr lang="en-US" sz="4800" dirty="0"/>
             </a:br>
             <a:r>
+              <a:rPr lang="en-US" sz="4800" dirty="0"/>
+              <a:t>Exercise and </a:t>
+            </a:r>
+            <a:r>
               <a:rPr lang="en-US" altLang="zh-CN" sz="4800" dirty="0"/>
               <a:t>Lab</a:t>
             </a:r>
@@ -3952,7 +3972,7 @@
           <a:p>
             <a:r>
               <a:rPr lang="en-US" dirty="0"/>
-              <a:t>CDNs are useful for web pages that contain only static content. </a:t>
+              <a:t>CDNs are only useful for web pages that contain static content. </a:t>
             </a:r>
           </a:p>
         </p:txBody>
@@ -4389,6 +4409,85 @@
   <p:clrMapOvr>
     <a:masterClrMapping/>
   </p:clrMapOvr>
+  <p:timing>
+    <p:tnLst>
+      <p:par>
+        <p:cTn id="1" dur="indefinite" restart="never" nodeType="tmRoot">
+          <p:childTnLst>
+            <p:seq concurrent="1" nextAc="seek">
+              <p:cTn id="2" dur="indefinite" nodeType="mainSeq">
+                <p:childTnLst>
+                  <p:par>
+                    <p:cTn id="3" fill="hold">
+                      <p:stCondLst>
+                        <p:cond delay="indefinite"/>
+                      </p:stCondLst>
+                      <p:childTnLst>
+                        <p:par>
+                          <p:cTn id="4" fill="hold">
+                            <p:stCondLst>
+                              <p:cond delay="0"/>
+                            </p:stCondLst>
+                            <p:childTnLst>
+                              <p:par>
+                                <p:cTn id="5" presetID="1" presetClass="entr" presetSubtype="0" fill="hold" nodeType="clickEffect">
+                                  <p:stCondLst>
+                                    <p:cond delay="0"/>
+                                  </p:stCondLst>
+                                  <p:childTnLst>
+                                    <p:set>
+                                      <p:cBhvr>
+                                        <p:cTn id="6" dur="1" fill="hold">
+                                          <p:stCondLst>
+                                            <p:cond delay="0"/>
+                                          </p:stCondLst>
+                                        </p:cTn>
+                                        <p:tgtEl>
+                                          <p:spTgt spid="3">
+                                            <p:txEl>
+                                              <p:pRg st="2" end="2"/>
+                                            </p:txEl>
+                                          </p:spTgt>
+                                        </p:tgtEl>
+                                        <p:attrNameLst>
+                                          <p:attrName>style.visibility</p:attrName>
+                                        </p:attrNameLst>
+                                      </p:cBhvr>
+                                      <p:to>
+                                        <p:strVal val="visible"/>
+                                      </p:to>
+                                    </p:set>
+                                  </p:childTnLst>
+                                </p:cTn>
+                              </p:par>
+                            </p:childTnLst>
+                          </p:cTn>
+                        </p:par>
+                      </p:childTnLst>
+                    </p:cTn>
+                  </p:par>
+                </p:childTnLst>
+              </p:cTn>
+              <p:prevCondLst>
+                <p:cond evt="onPrev" delay="0">
+                  <p:tgtEl>
+                    <p:sldTgt/>
+                  </p:tgtEl>
+                </p:cond>
+              </p:prevCondLst>
+              <p:nextCondLst>
+                <p:cond evt="onNext" delay="0">
+                  <p:tgtEl>
+                    <p:sldTgt/>
+                  </p:tgtEl>
+                </p:cond>
+              </p:nextCondLst>
+            </p:seq>
+          </p:childTnLst>
+        </p:cTn>
+      </p:par>
+    </p:tnLst>
+  </p:timing>
 </p:sld>
 </file>
 
@@ -4609,6 +4708,37 @@
                                         <p:tgtEl>
                                           <p:spTgt spid="3">
                                             <p:txEl>
+                                              <p:pRg st="2" end="2"/>
+                                            </p:txEl>
+                                          </p:spTgt>
+                                        </p:tgtEl>
+                                        <p:attrNameLst>
+                                          <p:attrName>style.visibility</p:attrName>
+                                        </p:attrNameLst>
+                                      </p:cBhvr>
+                                      <p:to>
+                                        <p:strVal val="visible"/>
+                                      </p:to>
+                                    </p:set>
+                                  </p:childTnLst>
+                                </p:cTn>
+                              </p:par>
+                              <p:par>
+                                <p:cTn id="7" presetID="1" presetClass="entr" presetSubtype="0" fill="hold" nodeType="withEffect">
+                                  <p:stCondLst>
+                                    <p:cond delay="0"/>
+                                  </p:stCondLst>
+                                  <p:childTnLst>
+                                    <p:set>
+                                      <p:cBhvr>
+                                        <p:cTn id="8" dur="1" fill="hold">
+                                          <p:stCondLst>
+                                            <p:cond delay="0"/>
+                                          </p:stCondLst>
+                                        </p:cTn>
+                                        <p:tgtEl>
+                                          <p:spTgt spid="3">
+                                            <p:txEl>
                                               <p:pRg st="3" end="3"/>
                                             </p:txEl>
                                           </p:spTgt>
@@ -4624,26 +4754,8 @@
                                   </p:childTnLst>
                                 </p:cTn>
                               </p:par>
-                            </p:childTnLst>
-                          </p:cTn>
-                        </p:par>
-                      </p:childTnLst>
-                    </p:cTn>
-                  </p:par>
-                  <p:par>
-                    <p:cTn id="7" fill="hold">
-                      <p:stCondLst>
-                        <p:cond delay="indefinite"/>
-                      </p:stCondLst>
-                      <p:childTnLst>
-                        <p:par>
-                          <p:cTn id="8" fill="hold">
-                            <p:stCondLst>
-                              <p:cond delay="0"/>
-                            </p:stCondLst>
-                            <p:childTnLst>
                               <p:par>
-                                <p:cTn id="9" presetID="1" presetClass="entr" presetSubtype="0" fill="hold" nodeType="clickEffect">
+                                <p:cTn id="9" presetID="1" presetClass="entr" presetSubtype="0" fill="hold" nodeType="withEffect">
                                   <p:stCondLst>
                                     <p:cond delay="0"/>
                                   </p:stCondLst>
@@ -4885,6 +4997,147 @@
   <p:clrMapOvr>
     <a:masterClrMapping/>
   </p:clrMapOvr>
+  <p:timing>
+    <p:tnLst>
+      <p:par>
+        <p:cTn id="1" dur="indefinite" restart="never" nodeType="tmRoot">
+          <p:childTnLst>
+            <p:seq concurrent="1" nextAc="seek">
+              <p:cTn id="2" dur="indefinite" nodeType="mainSeq">
+                <p:childTnLst>
+                  <p:par>
+                    <p:cTn id="3" fill="hold">
+                      <p:stCondLst>
+                        <p:cond delay="indefinite"/>
+                      </p:stCondLst>
+                      <p:childTnLst>
+                        <p:par>
+                          <p:cTn id="4" fill="hold">
+                            <p:stCondLst>
+                              <p:cond delay="0"/>
+                            </p:stCondLst>
+                            <p:childTnLst>
+                              <p:par>
+                                <p:cTn id="5" presetID="1" presetClass="entr" presetSubtype="0" fill="hold" nodeType="clickEffect">
+                                  <p:stCondLst>
+                                    <p:cond delay="0"/>
+                                  </p:stCondLst>
+                                  <p:childTnLst>
+                                    <p:set>
+                                      <p:cBhvr>
+                                        <p:cTn id="6" dur="1" fill="hold">
+                                          <p:stCondLst>
+                                            <p:cond delay="0"/>
+                                          </p:stCondLst>
+                                        </p:cTn>
+                                        <p:tgtEl>
+                                          <p:spTgt spid="3">
+                                            <p:txEl>
+                                              <p:pRg st="2" end="2"/>
+                                            </p:txEl>
+                                          </p:spTgt>
+                                        </p:tgtEl>
+                                        <p:attrNameLst>
+                                          <p:attrName>style.visibility</p:attrName>
+                                        </p:attrNameLst>
+                                      </p:cBhvr>
+                                      <p:to>
+                                        <p:strVal val="visible"/>
+                                      </p:to>
+                                    </p:set>
+                                  </p:childTnLst>
+                                </p:cTn>
+                              </p:par>
+                              <p:par>
+                                <p:cTn id="7" presetID="1" presetClass="entr" presetSubtype="0" fill="hold" nodeType="withEffect">
+                                  <p:stCondLst>
+                                    <p:cond delay="0"/>
+                                  </p:stCondLst>
+                                  <p:childTnLst>
+                                    <p:set>
+                                      <p:cBhvr>
+                                        <p:cTn id="8" dur="1" fill="hold">
+                                          <p:stCondLst>
+                                            <p:cond delay="0"/>
+                                          </p:stCondLst>
+                                        </p:cTn>
+                                        <p:tgtEl>
+                                          <p:spTgt spid="3">
+                                            <p:txEl>
+                                              <p:pRg st="3" end="3"/>
+                                            </p:txEl>
+                                          </p:spTgt>
+                                        </p:tgtEl>
+                                        <p:attrNameLst>
+                                          <p:attrName>style.visibility</p:attrName>
+                                        </p:attrNameLst>
+                                      </p:cBhvr>
+                                      <p:to>
+                                        <p:strVal val="visible"/>
+                                      </p:to>
+                                    </p:set>
+                                  </p:childTnLst>
+                                </p:cTn>
+                              </p:par>
+                              <p:par>
+                                <p:cTn id="9" presetID="1" presetClass="entr" presetSubtype="0" fill="hold" nodeType="withEffect">
+                                  <p:stCondLst>
+                                    <p:cond delay="0"/>
+                                  </p:stCondLst>
+                                  <p:childTnLst>
+                                    <p:set>
+                                      <p:cBhvr>
+                                        <p:cTn id="10" dur="1" fill="hold">
+                                          <p:stCondLst>
+                                            <p:cond delay="0"/>
+                                          </p:stCondLst>
+                                        </p:cTn>
+                                        <p:tgtEl>
+                                          <p:spTgt spid="3">
+                                            <p:txEl>
+                                              <p:pRg st="4" end="4"/>
+                                            </p:txEl>
+                                          </p:spTgt>
+                                        </p:tgtEl>
+                                        <p:attrNameLst>
+                                          <p:attrName>style.visibility</p:attrName>
+                                        </p:attrNameLst>
+                                      </p:cBhvr>
+                                      <p:to>
+                                        <p:strVal val="visible"/>
+                                      </p:to>
+                                    </p:set>
+                                  </p:childTnLst>
+                                </p:cTn>
+                              </p:par>
+                            </p:childTnLst>
+                          </p:cTn>
+                        </p:par>
+                      </p:childTnLst>
+                    </p:cTn>
+                  </p:par>
+                </p:childTnLst>
+              </p:cTn>
+              <p:prevCondLst>
+                <p:cond evt="onPrev" delay="0">
+                  <p:tgtEl>
+                    <p:sldTgt/>
+                  </p:tgtEl>
+                </p:cond>
+              </p:prevCondLst>
+              <p:nextCondLst>
+                <p:cond evt="onNext" delay="0">
+                  <p:tgtEl>
+                    <p:sldTgt/>
+                  </p:tgtEl>
+                </p:cond>
+              </p:nextCondLst>
+            </p:seq>
+          </p:childTnLst>
+        </p:cTn>
+      </p:par>
+    </p:tnLst>
+  </p:timing>
 </p:sld>
 </file>
 
@@ -5107,6 +5360,86 @@
                                         <p:tgtEl>
                                           <p:spTgt spid="3">
                                             <p:txEl>
+                                              <p:pRg st="2" end="2"/>
+                                            </p:txEl>
+                                          </p:spTgt>
+                                        </p:tgtEl>
+                                        <p:attrNameLst>
+                                          <p:attrName>style.visibility</p:attrName>
+                                        </p:attrNameLst>
+                                      </p:cBhvr>
+                                      <p:to>
+                                        <p:strVal val="visible"/>
+                                      </p:to>
+                                    </p:set>
+                                  </p:childTnLst>
+                                </p:cTn>
+                              </p:par>
+                              <p:par>
+                                <p:cTn id="7" presetID="1" presetClass="entr" presetSubtype="0" fill="hold" nodeType="withEffect">
+                                  <p:stCondLst>
+                                    <p:cond delay="0"/>
+                                  </p:stCondLst>
+                                  <p:childTnLst>
+                                    <p:set>
+                                      <p:cBhvr>
+                                        <p:cTn id="8" dur="1" fill="hold">
+                                          <p:stCondLst>
+                                            <p:cond delay="0"/>
+                                          </p:stCondLst>
+                                        </p:cTn>
+                                        <p:tgtEl>
+                                          <p:spTgt spid="3">
+                                            <p:txEl>
+                                              <p:pRg st="3" end="3"/>
+                                            </p:txEl>
+                                          </p:spTgt>
+                                        </p:tgtEl>
+                                        <p:attrNameLst>
+                                          <p:attrName>style.visibility</p:attrName>
+                                        </p:attrNameLst>
+                                      </p:cBhvr>
+                                      <p:to>
+                                        <p:strVal val="visible"/>
+                                      </p:to>
+                                    </p:set>
+                                  </p:childTnLst>
+                                </p:cTn>
+                              </p:par>
+                            </p:childTnLst>
+                          </p:cTn>
+                        </p:par>
+                      </p:childTnLst>
+                    </p:cTn>
+                  </p:par>
+                  <p:par>
+                    <p:cTn id="9" fill="hold">
+                      <p:stCondLst>
+                        <p:cond delay="indefinite"/>
+                      </p:stCondLst>
+                      <p:childTnLst>
+                        <p:par>
+                          <p:cTn id="10" fill="hold">
+                            <p:stCondLst>
+                              <p:cond delay="0"/>
+                            </p:stCondLst>
+                            <p:childTnLst>
+                              <p:par>
+                                <p:cTn id="11" presetID="1" presetClass="entr" presetSubtype="0" fill="hold" nodeType="clickEffect">
+                                  <p:stCondLst>
+                                    <p:cond delay="0"/>
+                                  </p:stCondLst>
+                                  <p:childTnLst>
+                                    <p:set>
+                                      <p:cBhvr>
+                                        <p:cTn id="12" dur="1" fill="hold">
+                                          <p:stCondLst>
+                                            <p:cond delay="0"/>
+                                          </p:stCondLst>
+                                        </p:cTn>
+                                        <p:tgtEl>
+                                          <p:spTgt spid="3">
+                                            <p:txEl>
                                               <p:pRg st="4" end="4"/>
                                             </p:txEl>
                                           </p:spTgt>
@@ -5129,26 +5462,26 @@
                     </p:cTn>
                   </p:par>
                   <p:par>
-                    <p:cTn id="7" fill="hold">
+                    <p:cTn id="13" fill="hold">
                       <p:stCondLst>
                         <p:cond delay="indefinite"/>
                       </p:stCondLst>
                       <p:childTnLst>
                         <p:par>
-                          <p:cTn id="8" fill="hold">
+                          <p:cTn id="14" fill="hold">
                             <p:stCondLst>
                               <p:cond delay="0"/>
                             </p:stCondLst>
                             <p:childTnLst>
                               <p:par>
-                                <p:cTn id="9" presetID="1" presetClass="entr" presetSubtype="0" fill="hold" nodeType="clickEffect">
+                                <p:cTn id="15" presetID="1" presetClass="entr" presetSubtype="0" fill="hold" nodeType="clickEffect">
                                   <p:stCondLst>
                                     <p:cond delay="0"/>
                                   </p:stCondLst>
                                   <p:childTnLst>
                                     <p:set>
                                       <p:cBhvr>
-                                        <p:cTn id="10" dur="1" fill="hold">
+                                        <p:cTn id="16" dur="1" fill="hold">
                                           <p:stCondLst>
                                             <p:cond delay="0"/>
                                           </p:stCondLst>
@@ -5381,25 +5714,25 @@
           <a:p>
             <a:r>
               <a:rPr lang="en-US" sz="2000" b="0" dirty="0"/>
-              <a:t>One-at-a-time: 20 s</a:t>
+              <a:t>One-at-a-time: 2 * RTT * 100 objects = 20 s</a:t>
             </a:r>
           </a:p>
           <a:p>
             <a:r>
               <a:rPr lang="en-US" sz="2000" b="0" dirty="0"/>
-              <a:t>Concurrent: 2 s</a:t>
+              <a:t>Concurrent: 2 * RTT * 100 objects / 10 concurrent connections = 2 s</a:t>
             </a:r>
           </a:p>
           <a:p>
             <a:r>
               <a:rPr lang="en-US" sz="2000" b="0" dirty="0"/>
-              <a:t>Persistent: 10.1 s</a:t>
+              <a:t>Persistent: 2 * RTT (first object) + 1 * RTT * 99 (other objects) = 10.1 s</a:t>
             </a:r>
           </a:p>
           <a:p>
             <a:r>
               <a:rPr lang="en-US" sz="2000" b="0" dirty="0"/>
-              <a:t>Pipelined: 200ms</a:t>
+              <a:t>Pipelined: 2* RTT = 200ms</a:t>
             </a:r>
           </a:p>
           <a:p>
@@ -5882,8 +6215,8 @@
           </a:p>
         </p:txBody>
       </p:sp>
-      <mc:AlternateContent xmlns:mc="http://schemas.openxmlformats.org/markup-compatibility/2006" xmlns:a14="http://schemas.microsoft.com/office/drawing/2010/main">
-        <mc:Choice Requires="a14">
+      <mc:AlternateContent xmlns:mc="http://schemas.openxmlformats.org/markup-compatibility/2006">
+        <mc:Choice xmlns:a14="http://schemas.microsoft.com/office/drawing/2010/main" Requires="a14">
           <p:sp>
             <p:nvSpPr>
               <p:cNvPr id="3" name="Content Placeholder 2"/>
@@ -6009,25 +6342,25 @@
               <a:p>
                 <a:r>
                   <a:rPr lang="en-US" sz="2000" b="0" dirty="0"/>
-                  <a:t>One-at-a-time: 8000 s</a:t>
+                  <a:t>One-at-a-time: 80 s * 100 objects = 8000 s</a:t>
                 </a:r>
               </a:p>
               <a:p>
                 <a:r>
                   <a:rPr lang="en-US" sz="2000" b="0" dirty="0"/>
-                  <a:t>Concurrent: 800 s</a:t>
+                  <a:t>Concurrent: 80 s * 100 objects  / 10 concurrent connections = 800 s</a:t>
                 </a:r>
               </a:p>
               <a:p>
                 <a:r>
                   <a:rPr lang="en-US" sz="2000" b="0" dirty="0"/>
-                  <a:t>Persistent: 8000 s</a:t>
+                  <a:t>Persistent: 80 s * 100 objects = 8000 s</a:t>
                 </a:r>
               </a:p>
               <a:p>
                 <a:r>
                   <a:rPr lang="en-US" sz="2000" b="0" dirty="0"/>
-                  <a:t>Pipelined: 8000 s</a:t>
+                  <a:t>Pipelined: 80 s * 100 objects = 8000 s</a:t>
                 </a:r>
               </a:p>
               <a:p>
@@ -6036,7 +6369,7 @@
             </p:txBody>
           </p:sp>
         </mc:Choice>
-        <mc:Fallback xmlns="">
+        <mc:Fallback>
           <p:sp>
             <p:nvSpPr>
               <p:cNvPr id="3" name="Content Placeholder 2"/>
@@ -6051,7 +6384,7 @@
               <a:blipFill>
                 <a:blip r:embed="rId2"/>
                 <a:stretch>
-                  <a:fillRect l="-643" t="-1754"/>
+                  <a:fillRect l="-643" t="-1453"/>
                 </a:stretch>
               </a:blipFill>
             </p:spPr>
@@ -6103,6 +6436,281 @@
   <p:clrMapOvr>
     <a:masterClrMapping/>
   </p:clrMapOvr>
+  <p:timing>
+    <p:tnLst>
+      <p:par>
+        <p:cTn id="1" dur="indefinite" restart="never" nodeType="tmRoot">
+          <p:childTnLst>
+            <p:seq concurrent="1" nextAc="seek">
+              <p:cTn id="2" dur="indefinite" nodeType="mainSeq">
+                <p:childTnLst>
+                  <p:par>
+                    <p:cTn id="3" fill="hold">
+                      <p:stCondLst>
+                        <p:cond delay="indefinite"/>
+                      </p:stCondLst>
+                      <p:childTnLst>
+                        <p:par>
+                          <p:cTn id="4" fill="hold">
+                            <p:stCondLst>
+                              <p:cond delay="0"/>
+                            </p:stCondLst>
+                            <p:childTnLst>
+                              <p:par>
+                                <p:cTn id="5" presetID="1" presetClass="entr" presetSubtype="0" fill="hold" nodeType="clickEffect">
+                                  <p:stCondLst>
+                                    <p:cond delay="0"/>
+                                  </p:stCondLst>
+                                  <p:childTnLst>
+                                    <p:set>
+                                      <p:cBhvr>
+                                        <p:cTn id="6" dur="1" fill="hold">
+                                          <p:stCondLst>
+                                            <p:cond delay="0"/>
+                                          </p:stCondLst>
+                                        </p:cTn>
+                                        <p:tgtEl>
+                                          <p:spTgt spid="3">
+                                            <p:txEl>
+                                              <p:pRg st="1" end="1"/>
+                                            </p:txEl>
+                                          </p:spTgt>
+                                        </p:tgtEl>
+                                        <p:attrNameLst>
+                                          <p:attrName>style.visibility</p:attrName>
+                                        </p:attrNameLst>
+                                      </p:cBhvr>
+                                      <p:to>
+                                        <p:strVal val="visible"/>
+                                      </p:to>
+                                    </p:set>
+                                  </p:childTnLst>
+                                </p:cTn>
+                              </p:par>
+                            </p:childTnLst>
+                          </p:cTn>
+                        </p:par>
+                      </p:childTnLst>
+                    </p:cTn>
+                  </p:par>
+                  <p:par>
+                    <p:cTn id="7" fill="hold">
+                      <p:stCondLst>
+                        <p:cond delay="indefinite"/>
+                      </p:stCondLst>
+                      <p:childTnLst>
+                        <p:par>
+                          <p:cTn id="8" fill="hold">
+                            <p:stCondLst>
+                              <p:cond delay="0"/>
+                            </p:stCondLst>
+                            <p:childTnLst>
+                              <p:par>
+                                <p:cTn id="9" presetID="1" presetClass="entr" presetSubtype="0" fill="hold" nodeType="clickEffect">
+                                  <p:stCondLst>
+                                    <p:cond delay="0"/>
+                                  </p:stCondLst>
+                                  <p:childTnLst>
+                                    <p:set>
+                                      <p:cBhvr>
+                                        <p:cTn id="10" dur="1" fill="hold">
+                                          <p:stCondLst>
+                                            <p:cond delay="0"/>
+                                          </p:stCondLst>
+                                        </p:cTn>
+                                        <p:tgtEl>
+                                          <p:spTgt spid="3">
+                                            <p:txEl>
+                                              <p:pRg st="2" end="2"/>
+                                            </p:txEl>
+                                          </p:spTgt>
+                                        </p:tgtEl>
+                                        <p:attrNameLst>
+                                          <p:attrName>style.visibility</p:attrName>
+                                        </p:attrNameLst>
+                                      </p:cBhvr>
+                                      <p:to>
+                                        <p:strVal val="visible"/>
+                                      </p:to>
+                                    </p:set>
+                                  </p:childTnLst>
+                                </p:cTn>
+                              </p:par>
+                            </p:childTnLst>
+                          </p:cTn>
+                        </p:par>
+                      </p:childTnLst>
+                    </p:cTn>
+                  </p:par>
+                  <p:par>
+                    <p:cTn id="11" fill="hold">
+                      <p:stCondLst>
+                        <p:cond delay="indefinite"/>
+                      </p:stCondLst>
+                      <p:childTnLst>
+                        <p:par>
+                          <p:cTn id="12" fill="hold">
+                            <p:stCondLst>
+                              <p:cond delay="0"/>
+                            </p:stCondLst>
+                            <p:childTnLst>
+                              <p:par>
+                                <p:cTn id="13" presetID="1" presetClass="entr" presetSubtype="0" fill="hold" nodeType="clickEffect">
+                                  <p:stCondLst>
+                                    <p:cond delay="0"/>
+                                  </p:stCondLst>
+                                  <p:childTnLst>
+                                    <p:set>
+                                      <p:cBhvr>
+                                        <p:cTn id="14" dur="1" fill="hold">
+                                          <p:stCondLst>
+                                            <p:cond delay="0"/>
+                                          </p:stCondLst>
+                                        </p:cTn>
+                                        <p:tgtEl>
+                                          <p:spTgt spid="3">
+                                            <p:txEl>
+                                              <p:pRg st="3" end="3"/>
+                                            </p:txEl>
+                                          </p:spTgt>
+                                        </p:tgtEl>
+                                        <p:attrNameLst>
+                                          <p:attrName>style.visibility</p:attrName>
+                                        </p:attrNameLst>
+                                      </p:cBhvr>
+                                      <p:to>
+                                        <p:strVal val="visible"/>
+                                      </p:to>
+                                    </p:set>
+                                  </p:childTnLst>
+                                </p:cTn>
+                              </p:par>
+                            </p:childTnLst>
+                          </p:cTn>
+                        </p:par>
+                      </p:childTnLst>
+                    </p:cTn>
+                  </p:par>
+                  <p:par>
+                    <p:cTn id="15" fill="hold">
+                      <p:stCondLst>
+                        <p:cond delay="indefinite"/>
+                      </p:stCondLst>
+                      <p:childTnLst>
+                        <p:par>
+                          <p:cTn id="16" fill="hold">
+                            <p:stCondLst>
+                              <p:cond delay="0"/>
+                            </p:stCondLst>
+                            <p:childTnLst>
+                              <p:par>
+                                <p:cTn id="17" presetID="1" presetClass="entr" presetSubtype="0" fill="hold" nodeType="clickEffect">
+                                  <p:stCondLst>
+                                    <p:cond delay="0"/>
+                                  </p:stCondLst>
+                                  <p:childTnLst>
+                                    <p:set>
+                                      <p:cBhvr>
+                                        <p:cTn id="18" dur="1" fill="hold">
+                                          <p:stCondLst>
+                                            <p:cond delay="0"/>
+                                          </p:stCondLst>
+                                        </p:cTn>
+                                        <p:tgtEl>
+                                          <p:spTgt spid="3">
+                                            <p:txEl>
+                                              <p:pRg st="4" end="4"/>
+                                            </p:txEl>
+                                          </p:spTgt>
+                                        </p:tgtEl>
+                                        <p:attrNameLst>
+                                          <p:attrName>style.visibility</p:attrName>
+                                        </p:attrNameLst>
+                                      </p:cBhvr>
+                                      <p:to>
+                                        <p:strVal val="visible"/>
+                                      </p:to>
+                                    </p:set>
+                                  </p:childTnLst>
+                                </p:cTn>
+                              </p:par>
+                            </p:childTnLst>
+                          </p:cTn>
+                        </p:par>
+                      </p:childTnLst>
+                    </p:cTn>
+                  </p:par>
+                  <p:par>
+                    <p:cTn id="19" fill="hold">
+                      <p:stCondLst>
+                        <p:cond delay="indefinite"/>
+                      </p:stCondLst>
+                      <p:childTnLst>
+                        <p:par>
+                          <p:cTn id="20" fill="hold">
+                            <p:stCondLst>
+                              <p:cond delay="0"/>
+                            </p:stCondLst>
+                            <p:childTnLst>
+                              <p:par>
+                                <p:cTn id="21" presetID="1" presetClass="entr" presetSubtype="0" fill="hold" nodeType="clickEffect">
+                                  <p:stCondLst>
+                                    <p:cond delay="0"/>
+                                  </p:stCondLst>
+                                  <p:childTnLst>
+                                    <p:set>
+                                      <p:cBhvr>
+                                        <p:cTn id="22" dur="1" fill="hold">
+                                          <p:stCondLst>
+                                            <p:cond delay="0"/>
+                                          </p:stCondLst>
+                                        </p:cTn>
+                                        <p:tgtEl>
+                                          <p:spTgt spid="3">
+                                            <p:txEl>
+                                              <p:pRg st="5" end="5"/>
+                                            </p:txEl>
+                                          </p:spTgt>
+                                        </p:tgtEl>
+                                        <p:attrNameLst>
+                                          <p:attrName>style.visibility</p:attrName>
+                                        </p:attrNameLst>
+                                      </p:cBhvr>
+                                      <p:to>
+                                        <p:strVal val="visible"/>
+                                      </p:to>
+                                    </p:set>
+                                  </p:childTnLst>
+                                </p:cTn>
+                              </p:par>
+                            </p:childTnLst>
+                          </p:cTn>
+                        </p:par>
+                      </p:childTnLst>
+                    </p:cTn>
+                  </p:par>
+                </p:childTnLst>
+              </p:cTn>
+              <p:prevCondLst>
+                <p:cond evt="onPrev" delay="0">
+                  <p:tgtEl>
+                    <p:sldTgt/>
+                  </p:tgtEl>
+                </p:cond>
+              </p:prevCondLst>
+              <p:nextCondLst>
+                <p:cond evt="onNext" delay="0">
+                  <p:tgtEl>
+                    <p:sldTgt/>
+                  </p:tgtEl>
+                </p:cond>
+              </p:nextCondLst>
+            </p:seq>
+          </p:childTnLst>
+        </p:cTn>
+      </p:par>
+    </p:tnLst>
+  </p:timing>
 </p:sld>
 </file>
 
